--- a/spp/SPP Breakdown.pptx
+++ b/spp/SPP Breakdown.pptx
@@ -5,15 +5,16 @@
     <p:sldMasterId id="2147483648" r:id="rId1"/>
   </p:sldMasterIdLst>
   <p:notesMasterIdLst>
-    <p:notesMasterId r:id="rId8"/>
+    <p:notesMasterId r:id="rId9"/>
   </p:notesMasterIdLst>
   <p:sldIdLst>
     <p:sldId id="257" r:id="rId2"/>
     <p:sldId id="258" r:id="rId3"/>
-    <p:sldId id="259" r:id="rId4"/>
-    <p:sldId id="260" r:id="rId5"/>
-    <p:sldId id="262" r:id="rId6"/>
-    <p:sldId id="261" r:id="rId7"/>
+    <p:sldId id="263" r:id="rId4"/>
+    <p:sldId id="259" r:id="rId5"/>
+    <p:sldId id="260" r:id="rId6"/>
+    <p:sldId id="262" r:id="rId7"/>
+    <p:sldId id="261" r:id="rId8"/>
   </p:sldIdLst>
   <p:sldSz cx="12192000" cy="6858000"/>
   <p:notesSz cx="6858000" cy="9144000"/>
@@ -213,7 +214,7 @@
           <a:p>
             <a:fld id="{C4B1D204-752A-9A4A-9992-69BFF907A643}" type="datetimeFigureOut">
               <a:rPr lang="en-US" smtClean="0"/>
-              <a:t>2/16/25</a:t>
+              <a:t>2/22/25</a:t>
             </a:fld>
             <a:endParaRPr lang="en-US"/>
           </a:p>
@@ -545,7 +546,7 @@
           <a:p>
             <a:fld id="{2C687440-E9DA-2844-8FE2-58315186D061}" type="slidenum">
               <a:rPr lang="en-US" smtClean="0"/>
-              <a:t>3</a:t>
+              <a:t>4</a:t>
             </a:fld>
             <a:endParaRPr lang="en-US"/>
           </a:p>
@@ -653,7 +654,7 @@
           <a:p>
             <a:fld id="{2C687440-E9DA-2844-8FE2-58315186D061}" type="slidenum">
               <a:rPr lang="en-US" smtClean="0"/>
-              <a:t>4</a:t>
+              <a:t>5</a:t>
             </a:fld>
             <a:endParaRPr lang="en-US"/>
           </a:p>
@@ -761,7 +762,7 @@
           <a:p>
             <a:fld id="{2C687440-E9DA-2844-8FE2-58315186D061}" type="slidenum">
               <a:rPr lang="en-US" smtClean="0"/>
-              <a:t>5</a:t>
+              <a:t>6</a:t>
             </a:fld>
             <a:endParaRPr lang="en-US"/>
           </a:p>
@@ -869,7 +870,7 @@
           <a:p>
             <a:fld id="{2C687440-E9DA-2844-8FE2-58315186D061}" type="slidenum">
               <a:rPr lang="en-US" smtClean="0"/>
-              <a:t>6</a:t>
+              <a:t>7</a:t>
             </a:fld>
             <a:endParaRPr lang="en-US"/>
           </a:p>
@@ -1035,7 +1036,7 @@
           <a:p>
             <a:fld id="{F69E30AA-A432-D243-96B5-33BE2A1B5BB8}" type="datetimeFigureOut">
               <a:rPr lang="en-US" smtClean="0"/>
-              <a:t>2/16/25</a:t>
+              <a:t>2/22/25</a:t>
             </a:fld>
             <a:endParaRPr lang="en-US"/>
           </a:p>
@@ -1233,7 +1234,7 @@
           <a:p>
             <a:fld id="{F69E30AA-A432-D243-96B5-33BE2A1B5BB8}" type="datetimeFigureOut">
               <a:rPr lang="en-US" smtClean="0"/>
-              <a:t>2/16/25</a:t>
+              <a:t>2/22/25</a:t>
             </a:fld>
             <a:endParaRPr lang="en-US"/>
           </a:p>
@@ -1441,7 +1442,7 @@
           <a:p>
             <a:fld id="{F69E30AA-A432-D243-96B5-33BE2A1B5BB8}" type="datetimeFigureOut">
               <a:rPr lang="en-US" smtClean="0"/>
-              <a:t>2/16/25</a:t>
+              <a:t>2/22/25</a:t>
             </a:fld>
             <a:endParaRPr lang="en-US"/>
           </a:p>
@@ -1639,7 +1640,7 @@
           <a:p>
             <a:fld id="{F69E30AA-A432-D243-96B5-33BE2A1B5BB8}" type="datetimeFigureOut">
               <a:rPr lang="en-US" smtClean="0"/>
-              <a:t>2/16/25</a:t>
+              <a:t>2/22/25</a:t>
             </a:fld>
             <a:endParaRPr lang="en-US"/>
           </a:p>
@@ -1914,7 +1915,7 @@
           <a:p>
             <a:fld id="{F69E30AA-A432-D243-96B5-33BE2A1B5BB8}" type="datetimeFigureOut">
               <a:rPr lang="en-US" smtClean="0"/>
-              <a:t>2/16/25</a:t>
+              <a:t>2/22/25</a:t>
             </a:fld>
             <a:endParaRPr lang="en-US"/>
           </a:p>
@@ -2179,7 +2180,7 @@
           <a:p>
             <a:fld id="{F69E30AA-A432-D243-96B5-33BE2A1B5BB8}" type="datetimeFigureOut">
               <a:rPr lang="en-US" smtClean="0"/>
-              <a:t>2/16/25</a:t>
+              <a:t>2/22/25</a:t>
             </a:fld>
             <a:endParaRPr lang="en-US"/>
           </a:p>
@@ -2591,7 +2592,7 @@
           <a:p>
             <a:fld id="{F69E30AA-A432-D243-96B5-33BE2A1B5BB8}" type="datetimeFigureOut">
               <a:rPr lang="en-US" smtClean="0"/>
-              <a:t>2/16/25</a:t>
+              <a:t>2/22/25</a:t>
             </a:fld>
             <a:endParaRPr lang="en-US"/>
           </a:p>
@@ -2732,7 +2733,7 @@
           <a:p>
             <a:fld id="{F69E30AA-A432-D243-96B5-33BE2A1B5BB8}" type="datetimeFigureOut">
               <a:rPr lang="en-US" smtClean="0"/>
-              <a:t>2/16/25</a:t>
+              <a:t>2/22/25</a:t>
             </a:fld>
             <a:endParaRPr lang="en-US"/>
           </a:p>
@@ -2845,7 +2846,7 @@
           <a:p>
             <a:fld id="{F69E30AA-A432-D243-96B5-33BE2A1B5BB8}" type="datetimeFigureOut">
               <a:rPr lang="en-US" smtClean="0"/>
-              <a:t>2/16/25</a:t>
+              <a:t>2/22/25</a:t>
             </a:fld>
             <a:endParaRPr lang="en-US"/>
           </a:p>
@@ -3156,7 +3157,7 @@
           <a:p>
             <a:fld id="{F69E30AA-A432-D243-96B5-33BE2A1B5BB8}" type="datetimeFigureOut">
               <a:rPr lang="en-US" smtClean="0"/>
-              <a:t>2/16/25</a:t>
+              <a:t>2/22/25</a:t>
             </a:fld>
             <a:endParaRPr lang="en-US"/>
           </a:p>
@@ -3444,7 +3445,7 @@
           <a:p>
             <a:fld id="{F69E30AA-A432-D243-96B5-33BE2A1B5BB8}" type="datetimeFigureOut">
               <a:rPr lang="en-US" smtClean="0"/>
-              <a:t>2/16/25</a:t>
+              <a:t>2/22/25</a:t>
             </a:fld>
             <a:endParaRPr lang="en-US"/>
           </a:p>
@@ -3685,7 +3686,7 @@
           <a:p>
             <a:fld id="{F69E30AA-A432-D243-96B5-33BE2A1B5BB8}" type="datetimeFigureOut">
               <a:rPr lang="en-US" smtClean="0"/>
-              <a:t>2/16/25</a:t>
+              <a:t>2/22/25</a:t>
             </a:fld>
             <a:endParaRPr lang="en-US"/>
           </a:p>
@@ -6414,6 +6415,802 @@
         <p:cNvPr id="1" name="">
           <a:extLst>
             <a:ext uri="{FF2B5EF4-FFF2-40B4-BE49-F238E27FC236}">
+              <a16:creationId xmlns:a16="http://schemas.microsoft.com/office/drawing/2014/main" id="{226F1FD3-94F4-49B0-6A79-B58C9BAF698A}"/>
+            </a:ext>
+          </a:extLst>
+        </p:cNvPr>
+        <p:cNvGrpSpPr/>
+        <p:nvPr/>
+      </p:nvGrpSpPr>
+      <p:grpSpPr>
+        <a:xfrm>
+          <a:off x="0" y="0"/>
+          <a:ext cx="0" cy="0"/>
+          <a:chOff x="0" y="0"/>
+          <a:chExt cx="0" cy="0"/>
+        </a:xfrm>
+      </p:grpSpPr>
+      <p:sp>
+        <p:nvSpPr>
+          <p:cNvPr id="2" name="Title 1">
+            <a:extLst>
+              <a:ext uri="{FF2B5EF4-FFF2-40B4-BE49-F238E27FC236}">
+                <a16:creationId xmlns:a16="http://schemas.microsoft.com/office/drawing/2014/main" id="{9691799A-F344-E8FF-7706-E4BFC8EF7FA4}"/>
+              </a:ext>
+            </a:extLst>
+          </p:cNvPr>
+          <p:cNvSpPr>
+            <a:spLocks noGrp="1"/>
+          </p:cNvSpPr>
+          <p:nvPr>
+            <p:ph type="title"/>
+          </p:nvPr>
+        </p:nvSpPr>
+        <p:spPr>
+          <a:xfrm>
+            <a:off x="629432" y="-274638"/>
+            <a:ext cx="10515600" cy="1325563"/>
+          </a:xfrm>
+        </p:spPr>
+        <p:txBody>
+          <a:bodyPr/>
+          <a:lstStyle/>
+          <a:p>
+            <a:pPr algn="ctr"/>
+            <a:r>
+              <a:rPr lang="en-US" dirty="0">
+                <a:latin typeface="American Typewriter" panose="02090604020004020304" pitchFamily="18" charset="77"/>
+              </a:rPr>
+              <a:t>Field descriptions</a:t>
+            </a:r>
+          </a:p>
+        </p:txBody>
+      </p:sp>
+      <p:pic>
+        <p:nvPicPr>
+          <p:cNvPr id="4" name="Picture 3" descr="A diagram of a packet&#10;&#10;AI-generated content may be incorrect.">
+            <a:extLst>
+              <a:ext uri="{FF2B5EF4-FFF2-40B4-BE49-F238E27FC236}">
+                <a16:creationId xmlns:a16="http://schemas.microsoft.com/office/drawing/2014/main" id="{12DCF212-5455-EE2F-5F63-5FCE45A8A05F}"/>
+              </a:ext>
+            </a:extLst>
+          </p:cNvPr>
+          <p:cNvPicPr>
+            <a:picLocks noChangeAspect="1"/>
+          </p:cNvPicPr>
+          <p:nvPr/>
+        </p:nvPicPr>
+        <p:blipFill>
+          <a:blip r:embed="rId2"/>
+          <a:stretch>
+            <a:fillRect/>
+          </a:stretch>
+        </p:blipFill>
+        <p:spPr>
+          <a:xfrm>
+            <a:off x="2744288" y="654594"/>
+            <a:ext cx="6703423" cy="3160073"/>
+          </a:xfrm>
+          <a:prstGeom prst="rect">
+            <a:avLst/>
+          </a:prstGeom>
+        </p:spPr>
+      </p:pic>
+      <p:sp>
+        <p:nvSpPr>
+          <p:cNvPr id="5" name="TextBox 4">
+            <a:extLst>
+              <a:ext uri="{FF2B5EF4-FFF2-40B4-BE49-F238E27FC236}">
+                <a16:creationId xmlns:a16="http://schemas.microsoft.com/office/drawing/2014/main" id="{E1047E2E-6C63-F9FE-7877-81456DE8A8E8}"/>
+              </a:ext>
+            </a:extLst>
+          </p:cNvPr>
+          <p:cNvSpPr txBox="1"/>
+          <p:nvPr/>
+        </p:nvSpPr>
+        <p:spPr>
+          <a:xfrm>
+            <a:off x="290886" y="3925389"/>
+            <a:ext cx="2865972" cy="400110"/>
+          </a:xfrm>
+          <a:prstGeom prst="rect">
+            <a:avLst/>
+          </a:prstGeom>
+          <a:noFill/>
+          <a:ln>
+            <a:solidFill>
+              <a:schemeClr val="tx1"/>
+            </a:solidFill>
+          </a:ln>
+        </p:spPr>
+        <p:txBody>
+          <a:bodyPr wrap="square" rtlCol="0">
+            <a:spAutoFit/>
+          </a:bodyPr>
+          <a:lstStyle/>
+          <a:p>
+            <a:r>
+              <a:rPr lang="en-US" sz="1200" dirty="0">
+                <a:latin typeface="American Typewriter" panose="02090604020004020304" pitchFamily="18" charset="77"/>
+              </a:rPr>
+              <a:t>PACKET VERSION NUMBER:</a:t>
+            </a:r>
+          </a:p>
+          <a:p>
+            <a:r>
+              <a:rPr lang="en-US" sz="800" dirty="0">
+                <a:latin typeface="American Typewriter" panose="02090604020004020304" pitchFamily="18" charset="77"/>
+              </a:rPr>
+              <a:t>- ‘000’ identifies data unit as a Space Packet</a:t>
+            </a:r>
+          </a:p>
+        </p:txBody>
+      </p:sp>
+      <p:sp>
+        <p:nvSpPr>
+          <p:cNvPr id="9" name="TextBox 8">
+            <a:extLst>
+              <a:ext uri="{FF2B5EF4-FFF2-40B4-BE49-F238E27FC236}">
+                <a16:creationId xmlns:a16="http://schemas.microsoft.com/office/drawing/2014/main" id="{F8B0964A-4DAD-61E9-7A02-2D2573AFC9E3}"/>
+              </a:ext>
+            </a:extLst>
+          </p:cNvPr>
+          <p:cNvSpPr txBox="1"/>
+          <p:nvPr/>
+        </p:nvSpPr>
+        <p:spPr>
+          <a:xfrm>
+            <a:off x="290884" y="4481027"/>
+            <a:ext cx="2865972" cy="523220"/>
+          </a:xfrm>
+          <a:prstGeom prst="rect">
+            <a:avLst/>
+          </a:prstGeom>
+          <a:noFill/>
+          <a:ln>
+            <a:solidFill>
+              <a:schemeClr val="tx1"/>
+            </a:solidFill>
+          </a:ln>
+        </p:spPr>
+        <p:txBody>
+          <a:bodyPr wrap="square" rtlCol="0">
+            <a:spAutoFit/>
+          </a:bodyPr>
+          <a:lstStyle/>
+          <a:p>
+            <a:r>
+              <a:rPr lang="en-US" sz="1200" dirty="0">
+                <a:latin typeface="American Typewriter" panose="02090604020004020304" pitchFamily="18" charset="77"/>
+              </a:rPr>
+              <a:t>PACKET TYPE:</a:t>
+            </a:r>
+          </a:p>
+          <a:p>
+            <a:r>
+              <a:rPr lang="en-US" sz="800" dirty="0">
+                <a:latin typeface="American Typewriter" panose="02090604020004020304" pitchFamily="18" charset="77"/>
+              </a:rPr>
+              <a:t>- ‘0’ for telemetry (or reporting)</a:t>
+            </a:r>
+          </a:p>
+          <a:p>
+            <a:r>
+              <a:rPr lang="en-US" sz="800" dirty="0">
+                <a:latin typeface="American Typewriter" panose="02090604020004020304" pitchFamily="18" charset="77"/>
+              </a:rPr>
+              <a:t>- ‘1’ for telecommand (or requesting)</a:t>
+            </a:r>
+          </a:p>
+        </p:txBody>
+      </p:sp>
+      <p:sp>
+        <p:nvSpPr>
+          <p:cNvPr id="11" name="TextBox 10">
+            <a:extLst>
+              <a:ext uri="{FF2B5EF4-FFF2-40B4-BE49-F238E27FC236}">
+                <a16:creationId xmlns:a16="http://schemas.microsoft.com/office/drawing/2014/main" id="{2B34E7C0-5C12-F16D-D036-63D831252EB6}"/>
+              </a:ext>
+            </a:extLst>
+          </p:cNvPr>
+          <p:cNvSpPr txBox="1"/>
+          <p:nvPr/>
+        </p:nvSpPr>
+        <p:spPr>
+          <a:xfrm>
+            <a:off x="290884" y="5154803"/>
+            <a:ext cx="2865972" cy="646331"/>
+          </a:xfrm>
+          <a:prstGeom prst="rect">
+            <a:avLst/>
+          </a:prstGeom>
+          <a:noFill/>
+          <a:ln>
+            <a:solidFill>
+              <a:schemeClr val="tx1"/>
+            </a:solidFill>
+          </a:ln>
+        </p:spPr>
+        <p:txBody>
+          <a:bodyPr wrap="square" rtlCol="0">
+            <a:spAutoFit/>
+          </a:bodyPr>
+          <a:lstStyle/>
+          <a:p>
+            <a:r>
+              <a:rPr lang="en-US" sz="1200" dirty="0">
+                <a:latin typeface="American Typewriter" panose="02090604020004020304" pitchFamily="18" charset="77"/>
+              </a:rPr>
+              <a:t>SECONDARY HEADER FLAG:</a:t>
+            </a:r>
+          </a:p>
+          <a:p>
+            <a:r>
+              <a:rPr lang="en-US" sz="800" dirty="0">
+                <a:latin typeface="American Typewriter" panose="02090604020004020304" pitchFamily="18" charset="77"/>
+              </a:rPr>
+              <a:t>- Indicates presence of a Packet Secondary Header</a:t>
+            </a:r>
+          </a:p>
+          <a:p>
+            <a:r>
+              <a:rPr lang="en-US" sz="800" dirty="0">
+                <a:latin typeface="American Typewriter" panose="02090604020004020304" pitchFamily="18" charset="77"/>
+              </a:rPr>
+              <a:t>- ‘0’ no Packet Secondary Header</a:t>
+            </a:r>
+          </a:p>
+          <a:p>
+            <a:r>
+              <a:rPr lang="en-US" sz="800" dirty="0">
+                <a:latin typeface="American Typewriter" panose="02090604020004020304" pitchFamily="18" charset="77"/>
+              </a:rPr>
+              <a:t>- ‘1’ Packet Secondary Header present</a:t>
+            </a:r>
+          </a:p>
+        </p:txBody>
+      </p:sp>
+      <p:cxnSp>
+        <p:nvCxnSpPr>
+          <p:cNvPr id="13" name="Straight Arrow Connector 12">
+            <a:extLst>
+              <a:ext uri="{FF2B5EF4-FFF2-40B4-BE49-F238E27FC236}">
+                <a16:creationId xmlns:a16="http://schemas.microsoft.com/office/drawing/2014/main" id="{CE5A6A26-C4E4-F055-D91D-02DBDBADB2C2}"/>
+              </a:ext>
+            </a:extLst>
+          </p:cNvPr>
+          <p:cNvCxnSpPr>
+            <a:cxnSpLocks/>
+            <a:endCxn id="5" idx="3"/>
+          </p:cNvCxnSpPr>
+          <p:nvPr/>
+        </p:nvCxnSpPr>
+        <p:spPr>
+          <a:xfrm flipH="1">
+            <a:off x="3156858" y="3069771"/>
+            <a:ext cx="250371" cy="1055673"/>
+          </a:xfrm>
+          <a:prstGeom prst="straightConnector1">
+            <a:avLst/>
+          </a:prstGeom>
+          <a:ln>
+            <a:tailEnd type="triangle"/>
+          </a:ln>
+        </p:spPr>
+        <p:style>
+          <a:lnRef idx="2">
+            <a:schemeClr val="dk1"/>
+          </a:lnRef>
+          <a:fillRef idx="0">
+            <a:schemeClr val="dk1"/>
+          </a:fillRef>
+          <a:effectRef idx="1">
+            <a:schemeClr val="dk1"/>
+          </a:effectRef>
+          <a:fontRef idx="minor">
+            <a:schemeClr val="tx1"/>
+          </a:fontRef>
+        </p:style>
+      </p:cxnSp>
+      <p:cxnSp>
+        <p:nvCxnSpPr>
+          <p:cNvPr id="15" name="Straight Arrow Connector 14">
+            <a:extLst>
+              <a:ext uri="{FF2B5EF4-FFF2-40B4-BE49-F238E27FC236}">
+                <a16:creationId xmlns:a16="http://schemas.microsoft.com/office/drawing/2014/main" id="{1F0B3633-04B2-DF21-E7D0-9979A740B0AD}"/>
+              </a:ext>
+            </a:extLst>
+          </p:cNvPr>
+          <p:cNvCxnSpPr>
+            <a:cxnSpLocks/>
+            <a:endCxn id="9" idx="3"/>
+          </p:cNvCxnSpPr>
+          <p:nvPr/>
+        </p:nvCxnSpPr>
+        <p:spPr>
+          <a:xfrm flipH="1">
+            <a:off x="3156856" y="3052358"/>
+            <a:ext cx="962843" cy="1690279"/>
+          </a:xfrm>
+          <a:prstGeom prst="straightConnector1">
+            <a:avLst/>
+          </a:prstGeom>
+          <a:ln>
+            <a:tailEnd type="triangle"/>
+          </a:ln>
+        </p:spPr>
+        <p:style>
+          <a:lnRef idx="2">
+            <a:schemeClr val="dk1"/>
+          </a:lnRef>
+          <a:fillRef idx="0">
+            <a:schemeClr val="dk1"/>
+          </a:fillRef>
+          <a:effectRef idx="1">
+            <a:schemeClr val="dk1"/>
+          </a:effectRef>
+          <a:fontRef idx="minor">
+            <a:schemeClr val="tx1"/>
+          </a:fontRef>
+        </p:style>
+      </p:cxnSp>
+      <p:cxnSp>
+        <p:nvCxnSpPr>
+          <p:cNvPr id="18" name="Straight Arrow Connector 17">
+            <a:extLst>
+              <a:ext uri="{FF2B5EF4-FFF2-40B4-BE49-F238E27FC236}">
+                <a16:creationId xmlns:a16="http://schemas.microsoft.com/office/drawing/2014/main" id="{1A2D9136-083D-8A08-B64F-D60DF674B445}"/>
+              </a:ext>
+            </a:extLst>
+          </p:cNvPr>
+          <p:cNvCxnSpPr>
+            <a:cxnSpLocks/>
+            <a:endCxn id="11" idx="3"/>
+          </p:cNvCxnSpPr>
+          <p:nvPr/>
+        </p:nvCxnSpPr>
+        <p:spPr>
+          <a:xfrm flipH="1">
+            <a:off x="3156856" y="3052358"/>
+            <a:ext cx="1865965" cy="2425611"/>
+          </a:xfrm>
+          <a:prstGeom prst="straightConnector1">
+            <a:avLst/>
+          </a:prstGeom>
+          <a:ln>
+            <a:tailEnd type="triangle"/>
+          </a:ln>
+        </p:spPr>
+        <p:style>
+          <a:lnRef idx="2">
+            <a:schemeClr val="dk1"/>
+          </a:lnRef>
+          <a:fillRef idx="0">
+            <a:schemeClr val="dk1"/>
+          </a:fillRef>
+          <a:effectRef idx="1">
+            <a:schemeClr val="dk1"/>
+          </a:effectRef>
+          <a:fontRef idx="minor">
+            <a:schemeClr val="tx1"/>
+          </a:fontRef>
+        </p:style>
+      </p:cxnSp>
+      <p:sp>
+        <p:nvSpPr>
+          <p:cNvPr id="20" name="TextBox 19">
+            <a:extLst>
+              <a:ext uri="{FF2B5EF4-FFF2-40B4-BE49-F238E27FC236}">
+                <a16:creationId xmlns:a16="http://schemas.microsoft.com/office/drawing/2014/main" id="{5F48293D-88A0-7B9D-7EA8-7996D05AB1EC}"/>
+              </a:ext>
+            </a:extLst>
+          </p:cNvPr>
+          <p:cNvSpPr txBox="1"/>
+          <p:nvPr/>
+        </p:nvSpPr>
+        <p:spPr>
+          <a:xfrm>
+            <a:off x="290884" y="5981245"/>
+            <a:ext cx="2865972" cy="707886"/>
+          </a:xfrm>
+          <a:prstGeom prst="rect">
+            <a:avLst/>
+          </a:prstGeom>
+          <a:noFill/>
+          <a:ln>
+            <a:solidFill>
+              <a:schemeClr val="tx1"/>
+            </a:solidFill>
+          </a:ln>
+        </p:spPr>
+        <p:txBody>
+          <a:bodyPr wrap="square" rtlCol="0">
+            <a:spAutoFit/>
+          </a:bodyPr>
+          <a:lstStyle/>
+          <a:p>
+            <a:r>
+              <a:rPr lang="en-US" sz="1200" dirty="0">
+                <a:latin typeface="American Typewriter" panose="02090604020004020304" pitchFamily="18" charset="77"/>
+              </a:rPr>
+              <a:t>APPLICATION PROCESS IDENTIFIER:</a:t>
+            </a:r>
+          </a:p>
+          <a:p>
+            <a:pPr marL="171450" indent="-171450">
+              <a:buFontTx/>
+              <a:buChar char="-"/>
+            </a:pPr>
+            <a:r>
+              <a:rPr lang="en-US" sz="800" dirty="0">
+                <a:latin typeface="American Typewriter" panose="02090604020004020304" pitchFamily="18" charset="77"/>
+              </a:rPr>
+              <a:t>Provides a naming mechanism for the managed data path.</a:t>
+            </a:r>
+          </a:p>
+        </p:txBody>
+      </p:sp>
+      <p:sp>
+        <p:nvSpPr>
+          <p:cNvPr id="26" name="TextBox 25">
+            <a:extLst>
+              <a:ext uri="{FF2B5EF4-FFF2-40B4-BE49-F238E27FC236}">
+                <a16:creationId xmlns:a16="http://schemas.microsoft.com/office/drawing/2014/main" id="{E14834EC-5DE2-27B2-A072-39E37C1B3B53}"/>
+              </a:ext>
+            </a:extLst>
+          </p:cNvPr>
+          <p:cNvSpPr txBox="1"/>
+          <p:nvPr/>
+        </p:nvSpPr>
+        <p:spPr>
+          <a:xfrm>
+            <a:off x="9039070" y="5596524"/>
+            <a:ext cx="2865972" cy="769441"/>
+          </a:xfrm>
+          <a:prstGeom prst="rect">
+            <a:avLst/>
+          </a:prstGeom>
+          <a:noFill/>
+          <a:ln>
+            <a:solidFill>
+              <a:schemeClr val="tx1"/>
+            </a:solidFill>
+          </a:ln>
+        </p:spPr>
+        <p:txBody>
+          <a:bodyPr wrap="square" rtlCol="0">
+            <a:spAutoFit/>
+          </a:bodyPr>
+          <a:lstStyle/>
+          <a:p>
+            <a:r>
+              <a:rPr lang="en-US" sz="1200" dirty="0">
+                <a:latin typeface="American Typewriter" panose="02090604020004020304" pitchFamily="18" charset="77"/>
+              </a:rPr>
+              <a:t>SEQUENCE FLAGS:</a:t>
+            </a:r>
+          </a:p>
+          <a:p>
+            <a:r>
+              <a:rPr lang="en-US" sz="800" dirty="0">
+                <a:latin typeface="American Typewriter" panose="02090604020004020304" pitchFamily="18" charset="77"/>
+              </a:rPr>
+              <a:t>- ‘00’ if SP contains continuation segment of User Data</a:t>
+            </a:r>
+          </a:p>
+          <a:p>
+            <a:r>
+              <a:rPr lang="en-US" sz="800" dirty="0">
+                <a:latin typeface="American Typewriter" panose="02090604020004020304" pitchFamily="18" charset="77"/>
+              </a:rPr>
+              <a:t>- ‘01’ if SP contains first segment of User Data</a:t>
+            </a:r>
+          </a:p>
+          <a:p>
+            <a:r>
+              <a:rPr lang="en-US" sz="800" dirty="0">
+                <a:latin typeface="American Typewriter" panose="02090604020004020304" pitchFamily="18" charset="77"/>
+              </a:rPr>
+              <a:t>- ‘10’ if SP contains last segment of User Data</a:t>
+            </a:r>
+          </a:p>
+          <a:p>
+            <a:r>
+              <a:rPr lang="en-US" sz="800" dirty="0">
+                <a:latin typeface="American Typewriter" panose="02090604020004020304" pitchFamily="18" charset="77"/>
+              </a:rPr>
+              <a:t>- ‘11’ if SP contains unsegmented User Data</a:t>
+            </a:r>
+          </a:p>
+        </p:txBody>
+      </p:sp>
+      <p:sp>
+        <p:nvSpPr>
+          <p:cNvPr id="27" name="TextBox 26">
+            <a:extLst>
+              <a:ext uri="{FF2B5EF4-FFF2-40B4-BE49-F238E27FC236}">
+                <a16:creationId xmlns:a16="http://schemas.microsoft.com/office/drawing/2014/main" id="{CB858832-1709-1E95-1760-EA38B0413079}"/>
+              </a:ext>
+            </a:extLst>
+          </p:cNvPr>
+          <p:cNvSpPr txBox="1"/>
+          <p:nvPr/>
+        </p:nvSpPr>
+        <p:spPr>
+          <a:xfrm>
+            <a:off x="9039070" y="3925389"/>
+            <a:ext cx="2865972" cy="523220"/>
+          </a:xfrm>
+          <a:prstGeom prst="rect">
+            <a:avLst/>
+          </a:prstGeom>
+          <a:noFill/>
+          <a:ln>
+            <a:solidFill>
+              <a:schemeClr val="tx1"/>
+            </a:solidFill>
+          </a:ln>
+        </p:spPr>
+        <p:txBody>
+          <a:bodyPr wrap="square" rtlCol="0">
+            <a:spAutoFit/>
+          </a:bodyPr>
+          <a:lstStyle/>
+          <a:p>
+            <a:r>
+              <a:rPr lang="en-US" sz="1200" dirty="0">
+                <a:latin typeface="American Typewriter" panose="02090604020004020304" pitchFamily="18" charset="77"/>
+              </a:rPr>
+              <a:t>PACKET DATA LENGTH:</a:t>
+            </a:r>
+          </a:p>
+          <a:p>
+            <a:r>
+              <a:rPr lang="en-US" sz="800" dirty="0">
+                <a:latin typeface="American Typewriter" panose="02090604020004020304" pitchFamily="18" charset="77"/>
+              </a:rPr>
+              <a:t>- Contains the length count, C, that is one fewer than the length of the Packet Data Field</a:t>
+            </a:r>
+          </a:p>
+        </p:txBody>
+      </p:sp>
+      <p:sp>
+        <p:nvSpPr>
+          <p:cNvPr id="29" name="TextBox 28">
+            <a:extLst>
+              <a:ext uri="{FF2B5EF4-FFF2-40B4-BE49-F238E27FC236}">
+                <a16:creationId xmlns:a16="http://schemas.microsoft.com/office/drawing/2014/main" id="{E79C5E98-8F84-EC55-D710-02E3EEF52B1F}"/>
+              </a:ext>
+            </a:extLst>
+          </p:cNvPr>
+          <p:cNvSpPr txBox="1"/>
+          <p:nvPr/>
+        </p:nvSpPr>
+        <p:spPr>
+          <a:xfrm>
+            <a:off x="9039070" y="4588748"/>
+            <a:ext cx="2865972" cy="830997"/>
+          </a:xfrm>
+          <a:prstGeom prst="rect">
+            <a:avLst/>
+          </a:prstGeom>
+          <a:noFill/>
+          <a:ln>
+            <a:solidFill>
+              <a:schemeClr val="tx1"/>
+            </a:solidFill>
+          </a:ln>
+        </p:spPr>
+        <p:txBody>
+          <a:bodyPr wrap="square" rtlCol="0">
+            <a:spAutoFit/>
+          </a:bodyPr>
+          <a:lstStyle/>
+          <a:p>
+            <a:r>
+              <a:rPr lang="en-US" sz="1200" dirty="0">
+                <a:latin typeface="American Typewriter" panose="02090604020004020304" pitchFamily="18" charset="77"/>
+              </a:rPr>
+              <a:t>PACKET SEQUENCE COUNT OR PACKET NAME:</a:t>
+            </a:r>
+          </a:p>
+          <a:p>
+            <a:r>
+              <a:rPr lang="en-US" sz="800" dirty="0">
+                <a:latin typeface="American Typewriter" panose="02090604020004020304" pitchFamily="18" charset="77"/>
+              </a:rPr>
+              <a:t>- Sequential binary count of each Space Packet generated by the user application identified by the APID.</a:t>
+            </a:r>
+          </a:p>
+        </p:txBody>
+      </p:sp>
+      <p:cxnSp>
+        <p:nvCxnSpPr>
+          <p:cNvPr id="32" name="Straight Arrow Connector 31">
+            <a:extLst>
+              <a:ext uri="{FF2B5EF4-FFF2-40B4-BE49-F238E27FC236}">
+                <a16:creationId xmlns:a16="http://schemas.microsoft.com/office/drawing/2014/main" id="{E323A06D-D425-43FC-5F9E-802CFA257F0B}"/>
+              </a:ext>
+            </a:extLst>
+          </p:cNvPr>
+          <p:cNvCxnSpPr>
+            <a:cxnSpLocks/>
+            <a:endCxn id="27" idx="1"/>
+          </p:cNvCxnSpPr>
+          <p:nvPr/>
+        </p:nvCxnSpPr>
+        <p:spPr>
+          <a:xfrm>
+            <a:off x="8153400" y="3069771"/>
+            <a:ext cx="885670" cy="1117228"/>
+          </a:xfrm>
+          <a:prstGeom prst="straightConnector1">
+            <a:avLst/>
+          </a:prstGeom>
+          <a:ln>
+            <a:tailEnd type="triangle"/>
+          </a:ln>
+        </p:spPr>
+        <p:style>
+          <a:lnRef idx="2">
+            <a:schemeClr val="dk1"/>
+          </a:lnRef>
+          <a:fillRef idx="0">
+            <a:schemeClr val="dk1"/>
+          </a:fillRef>
+          <a:effectRef idx="1">
+            <a:schemeClr val="dk1"/>
+          </a:effectRef>
+          <a:fontRef idx="minor">
+            <a:schemeClr val="tx1"/>
+          </a:fontRef>
+        </p:style>
+      </p:cxnSp>
+      <p:cxnSp>
+        <p:nvCxnSpPr>
+          <p:cNvPr id="38" name="Straight Arrow Connector 37">
+            <a:extLst>
+              <a:ext uri="{FF2B5EF4-FFF2-40B4-BE49-F238E27FC236}">
+                <a16:creationId xmlns:a16="http://schemas.microsoft.com/office/drawing/2014/main" id="{28FBDE66-3894-9EF5-7DAA-5920C87DB91B}"/>
+              </a:ext>
+            </a:extLst>
+          </p:cNvPr>
+          <p:cNvCxnSpPr>
+            <a:cxnSpLocks/>
+            <a:endCxn id="29" idx="1"/>
+          </p:cNvCxnSpPr>
+          <p:nvPr/>
+        </p:nvCxnSpPr>
+        <p:spPr>
+          <a:xfrm>
+            <a:off x="7369629" y="3069771"/>
+            <a:ext cx="1669441" cy="1934476"/>
+          </a:xfrm>
+          <a:prstGeom prst="straightConnector1">
+            <a:avLst/>
+          </a:prstGeom>
+          <a:ln>
+            <a:tailEnd type="triangle"/>
+          </a:ln>
+        </p:spPr>
+        <p:style>
+          <a:lnRef idx="2">
+            <a:schemeClr val="dk1"/>
+          </a:lnRef>
+          <a:fillRef idx="0">
+            <a:schemeClr val="dk1"/>
+          </a:fillRef>
+          <a:effectRef idx="1">
+            <a:schemeClr val="dk1"/>
+          </a:effectRef>
+          <a:fontRef idx="minor">
+            <a:schemeClr val="tx1"/>
+          </a:fontRef>
+        </p:style>
+      </p:cxnSp>
+      <p:cxnSp>
+        <p:nvCxnSpPr>
+          <p:cNvPr id="42" name="Straight Arrow Connector 41">
+            <a:extLst>
+              <a:ext uri="{FF2B5EF4-FFF2-40B4-BE49-F238E27FC236}">
+                <a16:creationId xmlns:a16="http://schemas.microsoft.com/office/drawing/2014/main" id="{B0A67AC8-18A5-C773-00FF-E9C4A4A0E782}"/>
+              </a:ext>
+            </a:extLst>
+          </p:cNvPr>
+          <p:cNvCxnSpPr>
+            <a:endCxn id="26" idx="1"/>
+          </p:cNvCxnSpPr>
+          <p:nvPr/>
+        </p:nvCxnSpPr>
+        <p:spPr>
+          <a:xfrm>
+            <a:off x="6400545" y="3052358"/>
+            <a:ext cx="2638525" cy="2928887"/>
+          </a:xfrm>
+          <a:prstGeom prst="straightConnector1">
+            <a:avLst/>
+          </a:prstGeom>
+          <a:ln>
+            <a:tailEnd type="triangle"/>
+          </a:ln>
+        </p:spPr>
+        <p:style>
+          <a:lnRef idx="2">
+            <a:schemeClr val="dk1"/>
+          </a:lnRef>
+          <a:fillRef idx="0">
+            <a:schemeClr val="dk1"/>
+          </a:fillRef>
+          <a:effectRef idx="1">
+            <a:schemeClr val="dk1"/>
+          </a:effectRef>
+          <a:fontRef idx="minor">
+            <a:schemeClr val="tx1"/>
+          </a:fontRef>
+        </p:style>
+      </p:cxnSp>
+      <p:cxnSp>
+        <p:nvCxnSpPr>
+          <p:cNvPr id="44" name="Straight Arrow Connector 43">
+            <a:extLst>
+              <a:ext uri="{FF2B5EF4-FFF2-40B4-BE49-F238E27FC236}">
+                <a16:creationId xmlns:a16="http://schemas.microsoft.com/office/drawing/2014/main" id="{688F9465-610B-6B2C-13ED-619262F2CE2E}"/>
+              </a:ext>
+            </a:extLst>
+          </p:cNvPr>
+          <p:cNvCxnSpPr>
+            <a:endCxn id="20" idx="3"/>
+          </p:cNvCxnSpPr>
+          <p:nvPr/>
+        </p:nvCxnSpPr>
+        <p:spPr>
+          <a:xfrm flipH="1">
+            <a:off x="3156856" y="3069771"/>
+            <a:ext cx="2492830" cy="3265417"/>
+          </a:xfrm>
+          <a:prstGeom prst="straightConnector1">
+            <a:avLst/>
+          </a:prstGeom>
+          <a:ln>
+            <a:tailEnd type="triangle"/>
+          </a:ln>
+        </p:spPr>
+        <p:style>
+          <a:lnRef idx="2">
+            <a:schemeClr val="dk1"/>
+          </a:lnRef>
+          <a:fillRef idx="0">
+            <a:schemeClr val="dk1"/>
+          </a:fillRef>
+          <a:effectRef idx="1">
+            <a:schemeClr val="dk1"/>
+          </a:effectRef>
+          <a:fontRef idx="minor">
+            <a:schemeClr val="tx1"/>
+          </a:fontRef>
+        </p:style>
+      </p:cxnSp>
+    </p:spTree>
+    <p:extLst>
+      <p:ext uri="{BB962C8B-B14F-4D97-AF65-F5344CB8AC3E}">
+        <p14:creationId xmlns:p14="http://schemas.microsoft.com/office/powerpoint/2010/main" val="3900139466"/>
+      </p:ext>
+    </p:extLst>
+  </p:cSld>
+  <p:clrMapOvr>
+    <a:masterClrMapping/>
+  </p:clrMapOvr>
+</p:sld>
+</file>
+
+<file path=ppt/slides/slide4.xml><?xml version="1.0" encoding="utf-8"?>
+<p:sld xmlns:a="http://schemas.openxmlformats.org/drawingml/2006/main" xmlns:r="http://schemas.openxmlformats.org/officeDocument/2006/relationships" xmlns:p="http://schemas.openxmlformats.org/presentationml/2006/main">
+  <p:cSld>
+    <p:spTree>
+      <p:nvGrpSpPr>
+        <p:cNvPr id="1" name="">
+          <a:extLst>
+            <a:ext uri="{FF2B5EF4-FFF2-40B4-BE49-F238E27FC236}">
               <a16:creationId xmlns:a16="http://schemas.microsoft.com/office/drawing/2014/main" id="{BA4AA4E0-B879-615A-26D5-256974B78060}"/>
             </a:ext>
           </a:extLst>
@@ -7868,7 +8665,7 @@
 </p:sld>
 </file>
 
-<file path=ppt/slides/slide4.xml><?xml version="1.0" encoding="utf-8"?>
+<file path=ppt/slides/slide5.xml><?xml version="1.0" encoding="utf-8"?>
 <p:sld xmlns:a="http://schemas.openxmlformats.org/drawingml/2006/main" xmlns:r="http://schemas.openxmlformats.org/officeDocument/2006/relationships" xmlns:p="http://schemas.openxmlformats.org/presentationml/2006/main">
   <p:cSld>
     <p:spTree>
@@ -7965,7 +8762,7 @@
 </p:sld>
 </file>
 
-<file path=ppt/slides/slide5.xml><?xml version="1.0" encoding="utf-8"?>
+<file path=ppt/slides/slide6.xml><?xml version="1.0" encoding="utf-8"?>
 <p:sld xmlns:a="http://schemas.openxmlformats.org/drawingml/2006/main" xmlns:r="http://schemas.openxmlformats.org/officeDocument/2006/relationships" xmlns:p="http://schemas.openxmlformats.org/presentationml/2006/main">
   <p:cSld>
     <p:spTree>
@@ -8299,7 +9096,7 @@
 </p:sld>
 </file>
 
-<file path=ppt/slides/slide6.xml><?xml version="1.0" encoding="utf-8"?>
+<file path=ppt/slides/slide7.xml><?xml version="1.0" encoding="utf-8"?>
 <p:sld xmlns:a="http://schemas.openxmlformats.org/drawingml/2006/main" xmlns:r="http://schemas.openxmlformats.org/officeDocument/2006/relationships" xmlns:p="http://schemas.openxmlformats.org/presentationml/2006/main">
   <p:cSld>
     <p:spTree>
